--- a/Resham.pptx
+++ b/Resham.pptx
@@ -6167,7 +6167,7 @@
                 </a:solidFill>
                 <a:latin typeface="Poppins"/>
               </a:rPr>
-              <a:t>Roll no 44</a:t>
+              <a:t>Roll no 50</a:t>
             </a:r>
           </a:p>
         </p:txBody>
@@ -6208,7 +6208,7 @@
                 </a:solidFill>
                 <a:latin typeface="Poppins"/>
               </a:rPr>
-              <a:t>Roll no 44</a:t>
+              <a:t>Roll no 57</a:t>
             </a:r>
           </a:p>
         </p:txBody>
@@ -6249,7 +6249,7 @@
                 </a:solidFill>
                 <a:latin typeface="Poppins"/>
               </a:rPr>
-              <a:t>Roll no 44</a:t>
+              <a:t>Roll no 54</a:t>
             </a:r>
           </a:p>
         </p:txBody>
@@ -7778,7 +7778,7 @@
         </p:nvGrpSpPr>
         <p:grpSpPr>
           <a:xfrm rot="0">
-            <a:off x="2315717" y="2255191"/>
+            <a:off x="6800311" y="5219841"/>
             <a:ext cx="5776619" cy="5776619"/>
             <a:chOff x="0" y="0"/>
             <a:chExt cx="812800" cy="812800"/>

--- a/Resham.pptx
+++ b/Resham.pptx
@@ -7778,7 +7778,7 @@
         </p:nvGrpSpPr>
         <p:grpSpPr>
           <a:xfrm rot="0">
-            <a:off x="6800311" y="5219841"/>
+            <a:off x="2589138" y="2255191"/>
             <a:ext cx="5776619" cy="5776619"/>
             <a:chOff x="0" y="0"/>
             <a:chExt cx="812800" cy="812800"/>
